--- a/For_paper/For thesis.pptx
+++ b/For_paper/For thesis.pptx
@@ -5,7 +5,7 @@
     <p:sldMasterId id="2147483648" r:id="rId1"/>
   </p:sldMasterIdLst>
   <p:notesMasterIdLst>
-    <p:notesMasterId r:id="rId26"/>
+    <p:notesMasterId r:id="rId27"/>
   </p:notesMasterIdLst>
   <p:sldIdLst>
     <p:sldId id="301" r:id="rId2"/>
@@ -26,12 +26,13 @@
     <p:sldId id="318" r:id="rId17"/>
     <p:sldId id="311" r:id="rId18"/>
     <p:sldId id="314" r:id="rId19"/>
-    <p:sldId id="315" r:id="rId20"/>
-    <p:sldId id="320" r:id="rId21"/>
-    <p:sldId id="319" r:id="rId22"/>
-    <p:sldId id="287" r:id="rId23"/>
-    <p:sldId id="297" r:id="rId24"/>
-    <p:sldId id="299" r:id="rId25"/>
+    <p:sldId id="321" r:id="rId20"/>
+    <p:sldId id="315" r:id="rId21"/>
+    <p:sldId id="320" r:id="rId22"/>
+    <p:sldId id="319" r:id="rId23"/>
+    <p:sldId id="287" r:id="rId24"/>
+    <p:sldId id="297" r:id="rId25"/>
+    <p:sldId id="299" r:id="rId26"/>
   </p:sldIdLst>
   <p:sldSz cx="12192000" cy="6858000"/>
   <p:notesSz cx="6451600" cy="9321800"/>
@@ -600,11 +601,11 @@
         </c:dLbls>
         <c:gapWidth val="150"/>
         <c:overlap val="100"/>
-        <c:axId val="834743712"/>
-        <c:axId val="834750784"/>
+        <c:axId val="1113789424"/>
+        <c:axId val="953812480"/>
       </c:barChart>
       <c:catAx>
-        <c:axId val="834743712"/>
+        <c:axId val="1113789424"/>
         <c:scaling>
           <c:orientation val="minMax"/>
         </c:scaling>
@@ -629,7 +630,7 @@
             <a:endParaRPr lang="ja-JP"/>
           </a:p>
         </c:txPr>
-        <c:crossAx val="834750784"/>
+        <c:crossAx val="953812480"/>
         <c:crosses val="autoZero"/>
         <c:auto val="1"/>
         <c:lblAlgn val="ctr"/>
@@ -637,7 +638,7 @@
         <c:noMultiLvlLbl val="0"/>
       </c:catAx>
       <c:valAx>
-        <c:axId val="834750784"/>
+        <c:axId val="953812480"/>
         <c:scaling>
           <c:orientation val="minMax"/>
           <c:min val="500"/>
@@ -712,7 +713,7 @@
             <a:endParaRPr lang="ja-JP"/>
           </a:p>
         </c:txPr>
-        <c:crossAx val="834743712"/>
+        <c:crossAx val="1113789424"/>
         <c:crosses val="autoZero"/>
         <c:crossBetween val="between"/>
       </c:valAx>
@@ -741,6 +742,614 @@
 </file>
 
 <file path=ppt/charts/chart2.xml><?xml version="1.0" encoding="utf-8"?>
+<c:chartSpace xmlns:c="http://schemas.openxmlformats.org/drawingml/2006/chart" xmlns:a="http://schemas.openxmlformats.org/drawingml/2006/main" xmlns:r="http://schemas.openxmlformats.org/officeDocument/2006/relationships">
+  <c:date1904 val="0"/>
+  <c:lang val="ja-JP"/>
+  <c:roundedCorners val="0"/>
+  <mc:AlternateContent xmlns:mc="http://schemas.openxmlformats.org/markup-compatibility/2006">
+    <mc:Choice xmlns:c14="http://schemas.microsoft.com/office/drawing/2007/8/2/chart" Requires="c14">
+      <c14:style val="102"/>
+    </mc:Choice>
+    <mc:Fallback>
+      <c:style val="2"/>
+    </mc:Fallback>
+  </mc:AlternateContent>
+  <c:chart>
+    <c:autoTitleDeleted val="1"/>
+    <c:plotArea>
+      <c:layout>
+        <c:manualLayout>
+          <c:layoutTarget val="inner"/>
+          <c:xMode val="edge"/>
+          <c:yMode val="edge"/>
+          <c:x val="9.2328903259059722E-2"/>
+          <c:y val="3.1848513313090361E-2"/>
+          <c:w val="0.90767111123373145"/>
+          <c:h val="0.85396664418652957"/>
+        </c:manualLayout>
+      </c:layout>
+      <c:barChart>
+        <c:barDir val="col"/>
+        <c:grouping val="stacked"/>
+        <c:varyColors val="0"/>
+        <c:ser>
+          <c:idx val="0"/>
+          <c:order val="0"/>
+          <c:tx>
+            <c:strRef>
+              <c:f>[BoxPlotGenerator.xlsx]graph!$A$13</c:f>
+              <c:strCache>
+                <c:ptCount val="1"/>
+                <c:pt idx="0">
+                  <c:v>箱の境界1</c:v>
+                </c:pt>
+              </c:strCache>
+            </c:strRef>
+          </c:tx>
+          <c:spPr>
+            <a:noFill/>
+            <a:ln w="25400">
+              <a:noFill/>
+            </a:ln>
+          </c:spPr>
+          <c:invertIfNegative val="0"/>
+          <c:errBars>
+            <c:errBarType val="plus"/>
+            <c:errValType val="cust"/>
+            <c:noEndCap val="0"/>
+            <c:plus>
+              <c:numRef>
+                <c:f>[BoxPlotGenerator.xlsx]graph!$B$16:$E$16</c:f>
+                <c:numCache>
+                  <c:formatCode>General</c:formatCode>
+                  <c:ptCount val="4"/>
+                  <c:pt idx="0">
+                    <c:v>-3.1747500000000173</c:v>
+                  </c:pt>
+                  <c:pt idx="1">
+                    <c:v>-4.1852499999999964</c:v>
+                  </c:pt>
+                  <c:pt idx="2">
+                    <c:v>-5.7552500000000464</c:v>
+                  </c:pt>
+                  <c:pt idx="3">
+                    <c:v>-7.4329999999999927</c:v>
+                  </c:pt>
+                </c:numCache>
+              </c:numRef>
+            </c:plus>
+          </c:errBars>
+          <c:cat>
+            <c:strRef>
+              <c:f>[BoxPlotGenerator.xlsx]graph!$B$12:$E$12</c:f>
+              <c:strCache>
+                <c:ptCount val="4"/>
+                <c:pt idx="0">
+                  <c:v>SingleThread</c:v>
+                </c:pt>
+                <c:pt idx="1">
+                  <c:v>MultiTask (Scheduler)</c:v>
+                </c:pt>
+                <c:pt idx="2">
+                  <c:v>MultiTask (Delay)</c:v>
+                </c:pt>
+                <c:pt idx="3">
+                  <c:v>Co-routine</c:v>
+                </c:pt>
+              </c:strCache>
+            </c:strRef>
+          </c:cat>
+          <c:val>
+            <c:numRef>
+              <c:f>[BoxPlotGenerator.xlsx]graph!$B$13:$E$13</c:f>
+              <c:numCache>
+                <c:formatCode>0.000000_ </c:formatCode>
+                <c:ptCount val="4"/>
+                <c:pt idx="0">
+                  <c:v>536.03375000000005</c:v>
+                </c:pt>
+                <c:pt idx="1">
+                  <c:v>567.95325000000003</c:v>
+                </c:pt>
+                <c:pt idx="2">
+                  <c:v>624.61225000000002</c:v>
+                </c:pt>
+                <c:pt idx="3">
+                  <c:v>608.26900000000001</c:v>
+                </c:pt>
+              </c:numCache>
+            </c:numRef>
+          </c:val>
+        </c:ser>
+        <c:ser>
+          <c:idx val="1"/>
+          <c:order val="1"/>
+          <c:tx>
+            <c:strRef>
+              <c:f>[BoxPlotGenerator.xlsx]graph!$A$14</c:f>
+              <c:strCache>
+                <c:ptCount val="1"/>
+                <c:pt idx="0">
+                  <c:v>中央線</c:v>
+                </c:pt>
+              </c:strCache>
+            </c:strRef>
+          </c:tx>
+          <c:spPr>
+            <a:solidFill>
+              <a:schemeClr val="accent5">
+                <a:lumMod val="60000"/>
+                <a:lumOff val="40000"/>
+              </a:schemeClr>
+            </a:solidFill>
+            <a:ln>
+              <a:solidFill>
+                <a:sysClr val="windowText" lastClr="000000"/>
+              </a:solidFill>
+            </a:ln>
+          </c:spPr>
+          <c:invertIfNegative val="0"/>
+          <c:dPt>
+            <c:idx val="0"/>
+            <c:invertIfNegative val="0"/>
+            <c:bubble3D val="0"/>
+            <c:spPr>
+              <a:solidFill>
+                <a:schemeClr val="accent5">
+                  <a:lumMod val="60000"/>
+                  <a:lumOff val="40000"/>
+                </a:schemeClr>
+              </a:solidFill>
+              <a:ln>
+                <a:solidFill>
+                  <a:sysClr val="windowText" lastClr="000000"/>
+                </a:solidFill>
+                <a:prstDash val="solid"/>
+              </a:ln>
+            </c:spPr>
+          </c:dPt>
+          <c:dPt>
+            <c:idx val="1"/>
+            <c:invertIfNegative val="0"/>
+            <c:bubble3D val="0"/>
+            <c:spPr>
+              <a:solidFill>
+                <a:schemeClr val="accent5">
+                  <a:lumMod val="60000"/>
+                  <a:lumOff val="40000"/>
+                </a:schemeClr>
+              </a:solidFill>
+              <a:ln>
+                <a:solidFill>
+                  <a:sysClr val="windowText" lastClr="000000"/>
+                </a:solidFill>
+                <a:prstDash val="solid"/>
+              </a:ln>
+            </c:spPr>
+          </c:dPt>
+          <c:dPt>
+            <c:idx val="2"/>
+            <c:invertIfNegative val="0"/>
+            <c:bubble3D val="0"/>
+            <c:spPr>
+              <a:solidFill>
+                <a:schemeClr val="accent5">
+                  <a:lumMod val="60000"/>
+                  <a:lumOff val="40000"/>
+                </a:schemeClr>
+              </a:solidFill>
+              <a:ln>
+                <a:solidFill>
+                  <a:sysClr val="windowText" lastClr="000000"/>
+                </a:solidFill>
+                <a:prstDash val="solid"/>
+              </a:ln>
+            </c:spPr>
+          </c:dPt>
+          <c:dPt>
+            <c:idx val="3"/>
+            <c:invertIfNegative val="0"/>
+            <c:bubble3D val="0"/>
+            <c:spPr>
+              <a:solidFill>
+                <a:schemeClr val="accent5">
+                  <a:lumMod val="60000"/>
+                  <a:lumOff val="40000"/>
+                </a:schemeClr>
+              </a:solidFill>
+              <a:ln>
+                <a:solidFill>
+                  <a:sysClr val="windowText" lastClr="000000"/>
+                </a:solidFill>
+                <a:prstDash val="solid"/>
+              </a:ln>
+            </c:spPr>
+          </c:dPt>
+          <c:dPt>
+            <c:idx val="4"/>
+            <c:invertIfNegative val="0"/>
+            <c:bubble3D val="0"/>
+            <c:spPr>
+              <a:solidFill>
+                <a:schemeClr val="accent5">
+                  <a:lumMod val="60000"/>
+                  <a:lumOff val="40000"/>
+                </a:schemeClr>
+              </a:solidFill>
+              <a:ln>
+                <a:solidFill>
+                  <a:sysClr val="windowText" lastClr="000000"/>
+                </a:solidFill>
+                <a:prstDash val="solid"/>
+              </a:ln>
+            </c:spPr>
+          </c:dPt>
+          <c:cat>
+            <c:strRef>
+              <c:f>[BoxPlotGenerator.xlsx]graph!$B$12:$E$12</c:f>
+              <c:strCache>
+                <c:ptCount val="4"/>
+                <c:pt idx="0">
+                  <c:v>SingleThread</c:v>
+                </c:pt>
+                <c:pt idx="1">
+                  <c:v>MultiTask (Scheduler)</c:v>
+                </c:pt>
+                <c:pt idx="2">
+                  <c:v>MultiTask (Delay)</c:v>
+                </c:pt>
+                <c:pt idx="3">
+                  <c:v>Co-routine</c:v>
+                </c:pt>
+              </c:strCache>
+            </c:strRef>
+          </c:cat>
+          <c:val>
+            <c:numRef>
+              <c:f>[BoxPlotGenerator.xlsx]graph!$B$14:$E$14</c:f>
+              <c:numCache>
+                <c:formatCode>0.000000_ </c:formatCode>
+                <c:ptCount val="4"/>
+                <c:pt idx="0">
+                  <c:v>0.54874999999992724</c:v>
+                </c:pt>
+                <c:pt idx="1">
+                  <c:v>0.46524999999996908</c:v>
+                </c:pt>
+                <c:pt idx="2">
+                  <c:v>7.23275000000001</c:v>
+                </c:pt>
+                <c:pt idx="3">
+                  <c:v>4.1175000000000637</c:v>
+                </c:pt>
+              </c:numCache>
+            </c:numRef>
+          </c:val>
+        </c:ser>
+        <c:ser>
+          <c:idx val="2"/>
+          <c:order val="2"/>
+          <c:tx>
+            <c:strRef>
+              <c:f>[BoxPlotGenerator.xlsx]graph!$A$15</c:f>
+              <c:strCache>
+                <c:ptCount val="1"/>
+                <c:pt idx="0">
+                  <c:v>箱の境界2</c:v>
+                </c:pt>
+              </c:strCache>
+            </c:strRef>
+          </c:tx>
+          <c:spPr>
+            <a:solidFill>
+              <a:schemeClr val="accent5">
+                <a:lumMod val="60000"/>
+                <a:lumOff val="40000"/>
+              </a:schemeClr>
+            </a:solidFill>
+            <a:ln>
+              <a:solidFill>
+                <a:sysClr val="windowText" lastClr="000000"/>
+              </a:solidFill>
+            </a:ln>
+          </c:spPr>
+          <c:invertIfNegative val="0"/>
+          <c:dPt>
+            <c:idx val="0"/>
+            <c:invertIfNegative val="0"/>
+            <c:bubble3D val="0"/>
+            <c:spPr>
+              <a:solidFill>
+                <a:schemeClr val="accent5">
+                  <a:lumMod val="60000"/>
+                  <a:lumOff val="40000"/>
+                </a:schemeClr>
+              </a:solidFill>
+              <a:ln>
+                <a:solidFill>
+                  <a:sysClr val="windowText" lastClr="000000"/>
+                </a:solidFill>
+                <a:prstDash val="solid"/>
+              </a:ln>
+            </c:spPr>
+          </c:dPt>
+          <c:dPt>
+            <c:idx val="1"/>
+            <c:invertIfNegative val="0"/>
+            <c:bubble3D val="0"/>
+            <c:spPr>
+              <a:solidFill>
+                <a:schemeClr val="accent5">
+                  <a:lumMod val="60000"/>
+                  <a:lumOff val="40000"/>
+                </a:schemeClr>
+              </a:solidFill>
+              <a:ln>
+                <a:solidFill>
+                  <a:sysClr val="windowText" lastClr="000000"/>
+                </a:solidFill>
+                <a:prstDash val="solid"/>
+              </a:ln>
+            </c:spPr>
+          </c:dPt>
+          <c:dPt>
+            <c:idx val="2"/>
+            <c:invertIfNegative val="0"/>
+            <c:bubble3D val="0"/>
+            <c:spPr>
+              <a:solidFill>
+                <a:schemeClr val="accent5">
+                  <a:lumMod val="60000"/>
+                  <a:lumOff val="40000"/>
+                </a:schemeClr>
+              </a:solidFill>
+              <a:ln>
+                <a:solidFill>
+                  <a:sysClr val="windowText" lastClr="000000"/>
+                </a:solidFill>
+                <a:prstDash val="solid"/>
+              </a:ln>
+            </c:spPr>
+          </c:dPt>
+          <c:dPt>
+            <c:idx val="3"/>
+            <c:invertIfNegative val="0"/>
+            <c:bubble3D val="0"/>
+            <c:spPr>
+              <a:solidFill>
+                <a:schemeClr val="accent5">
+                  <a:lumMod val="60000"/>
+                  <a:lumOff val="40000"/>
+                </a:schemeClr>
+              </a:solidFill>
+              <a:ln>
+                <a:solidFill>
+                  <a:sysClr val="windowText" lastClr="000000"/>
+                </a:solidFill>
+                <a:prstDash val="solid"/>
+              </a:ln>
+            </c:spPr>
+          </c:dPt>
+          <c:dPt>
+            <c:idx val="4"/>
+            <c:invertIfNegative val="0"/>
+            <c:bubble3D val="0"/>
+            <c:spPr>
+              <a:solidFill>
+                <a:schemeClr val="accent5">
+                  <a:lumMod val="60000"/>
+                  <a:lumOff val="40000"/>
+                </a:schemeClr>
+              </a:solidFill>
+              <a:ln>
+                <a:solidFill>
+                  <a:sysClr val="windowText" lastClr="000000"/>
+                </a:solidFill>
+                <a:prstDash val="solid"/>
+              </a:ln>
+            </c:spPr>
+          </c:dPt>
+          <c:errBars>
+            <c:errBarType val="plus"/>
+            <c:errValType val="cust"/>
+            <c:noEndCap val="0"/>
+            <c:plus>
+              <c:numRef>
+                <c:f>[BoxPlotGenerator.xlsx]graph!$B$17:$E$17</c:f>
+                <c:numCache>
+                  <c:formatCode>General</c:formatCode>
+                  <c:ptCount val="4"/>
+                  <c:pt idx="0">
+                    <c:v>8.5344999999998663</c:v>
+                  </c:pt>
+                  <c:pt idx="1">
+                    <c:v>29.386499999999955</c:v>
+                  </c:pt>
+                  <c:pt idx="2">
+                    <c:v>22.010499999999979</c:v>
+                  </c:pt>
+                  <c:pt idx="3">
+                    <c:v>13.15300000000002</c:v>
+                  </c:pt>
+                </c:numCache>
+              </c:numRef>
+            </c:plus>
+          </c:errBars>
+          <c:cat>
+            <c:strRef>
+              <c:f>[BoxPlotGenerator.xlsx]graph!$B$12:$E$12</c:f>
+              <c:strCache>
+                <c:ptCount val="4"/>
+                <c:pt idx="0">
+                  <c:v>SingleThread</c:v>
+                </c:pt>
+                <c:pt idx="1">
+                  <c:v>MultiTask (Scheduler)</c:v>
+                </c:pt>
+                <c:pt idx="2">
+                  <c:v>MultiTask (Delay)</c:v>
+                </c:pt>
+                <c:pt idx="3">
+                  <c:v>Co-routine</c:v>
+                </c:pt>
+              </c:strCache>
+            </c:strRef>
+          </c:cat>
+          <c:val>
+            <c:numRef>
+              <c:f>[BoxPlotGenerator.xlsx]graph!$B$15:$E$15</c:f>
+              <c:numCache>
+                <c:formatCode>0.000000_ </c:formatCode>
+                <c:ptCount val="4"/>
+                <c:pt idx="0">
+                  <c:v>0.32200000000011642</c:v>
+                </c:pt>
+                <c:pt idx="1">
+                  <c:v>1.4080000000000155</c:v>
+                </c:pt>
+                <c:pt idx="2">
+                  <c:v>3.0114999999999554</c:v>
+                </c:pt>
+                <c:pt idx="3">
+                  <c:v>3.2584999999999127</c:v>
+                </c:pt>
+              </c:numCache>
+            </c:numRef>
+          </c:val>
+        </c:ser>
+        <c:dLbls>
+          <c:showLegendKey val="0"/>
+          <c:showVal val="0"/>
+          <c:showCatName val="0"/>
+          <c:showSerName val="0"/>
+          <c:showPercent val="0"/>
+          <c:showBubbleSize val="0"/>
+        </c:dLbls>
+        <c:gapWidth val="150"/>
+        <c:overlap val="100"/>
+        <c:axId val="1175551856"/>
+        <c:axId val="1175564368"/>
+      </c:barChart>
+      <c:catAx>
+        <c:axId val="1175551856"/>
+        <c:scaling>
+          <c:orientation val="minMax"/>
+        </c:scaling>
+        <c:delete val="0"/>
+        <c:axPos val="b"/>
+        <c:numFmt formatCode="General" sourceLinked="0"/>
+        <c:majorTickMark val="out"/>
+        <c:minorTickMark val="none"/>
+        <c:tickLblPos val="low"/>
+        <c:spPr>
+          <a:ln/>
+        </c:spPr>
+        <c:txPr>
+          <a:bodyPr/>
+          <a:lstStyle/>
+          <a:p>
+            <a:pPr>
+              <a:defRPr sz="1400" b="1" i="0" baseline="0">
+                <a:latin typeface="メイリオ" panose="020B0604030504040204" pitchFamily="50" charset="-128"/>
+              </a:defRPr>
+            </a:pPr>
+            <a:endParaRPr lang="ja-JP"/>
+          </a:p>
+        </c:txPr>
+        <c:crossAx val="1175564368"/>
+        <c:crosses val="autoZero"/>
+        <c:auto val="1"/>
+        <c:lblAlgn val="ctr"/>
+        <c:lblOffset val="100"/>
+        <c:noMultiLvlLbl val="0"/>
+      </c:catAx>
+      <c:valAx>
+        <c:axId val="1175564368"/>
+        <c:scaling>
+          <c:orientation val="minMax"/>
+          <c:min val="500"/>
+        </c:scaling>
+        <c:delete val="0"/>
+        <c:axPos val="l"/>
+        <c:majorGridlines/>
+        <c:title>
+          <c:tx>
+            <c:rich>
+              <a:bodyPr/>
+              <a:lstStyle/>
+              <a:p>
+                <a:pPr>
+                  <a:defRPr baseline="0">
+                    <a:latin typeface="メイリオ" panose="020B0604030504040204" pitchFamily="50" charset="-128"/>
+                  </a:defRPr>
+                </a:pPr>
+                <a:r>
+                  <a:rPr lang="en-US" altLang="ja-JP" sz="1400" baseline="0">
+                    <a:latin typeface="メイリオ" panose="020B0604030504040204" pitchFamily="50" charset="-128"/>
+                  </a:rPr>
+                  <a:t>Execution Time (msec)</a:t>
+                </a:r>
+                <a:endParaRPr lang="ja-JP" altLang="en-US" sz="1400" baseline="0">
+                  <a:latin typeface="メイリオ" panose="020B0604030504040204" pitchFamily="50" charset="-128"/>
+                </a:endParaRPr>
+              </a:p>
+            </c:rich>
+          </c:tx>
+          <c:layout>
+            <c:manualLayout>
+              <c:xMode val="edge"/>
+              <c:yMode val="edge"/>
+              <c:x val="0"/>
+              <c:y val="0.27602911096500843"/>
+            </c:manualLayout>
+          </c:layout>
+          <c:overlay val="0"/>
+        </c:title>
+        <c:numFmt formatCode="General" sourceLinked="0"/>
+        <c:majorTickMark val="out"/>
+        <c:minorTickMark val="none"/>
+        <c:tickLblPos val="nextTo"/>
+        <c:txPr>
+          <a:bodyPr/>
+          <a:lstStyle/>
+          <a:p>
+            <a:pPr>
+              <a:defRPr sz="1400" baseline="0">
+                <a:latin typeface="Arial Unicode MS" panose="020B0604020202020204" pitchFamily="50" charset="-128"/>
+              </a:defRPr>
+            </a:pPr>
+            <a:endParaRPr lang="ja-JP"/>
+          </a:p>
+        </c:txPr>
+        <c:crossAx val="1175551856"/>
+        <c:crosses val="autoZero"/>
+        <c:crossBetween val="between"/>
+      </c:valAx>
+      <c:spPr>
+        <a:noFill/>
+      </c:spPr>
+    </c:plotArea>
+    <c:plotVisOnly val="1"/>
+    <c:dispBlanksAs val="gap"/>
+    <c:showDLblsOverMax val="0"/>
+  </c:chart>
+  <c:txPr>
+    <a:bodyPr/>
+    <a:lstStyle/>
+    <a:p>
+      <a:pPr>
+        <a:defRPr sz="900"/>
+      </a:pPr>
+      <a:endParaRPr lang="ja-JP"/>
+    </a:p>
+  </c:txPr>
+  <c:externalData r:id="rId1">
+    <c:autoUpdate val="0"/>
+  </c:externalData>
+</c:chartSpace>
+</file>
+
+<file path=ppt/charts/chart3.xml><?xml version="1.0" encoding="utf-8"?>
 <c:chartSpace xmlns:c="http://schemas.openxmlformats.org/drawingml/2006/chart" xmlns:a="http://schemas.openxmlformats.org/drawingml/2006/main" xmlns:r="http://schemas.openxmlformats.org/officeDocument/2006/relationships">
   <c:date1904 val="0"/>
   <c:lang val="ja-JP"/>
@@ -1226,11 +1835,11 @@
         </c:dLbls>
         <c:gapWidth val="150"/>
         <c:overlap val="100"/>
-        <c:axId val="834748064"/>
-        <c:axId val="834745344"/>
+        <c:axId val="953808128"/>
+        <c:axId val="953811936"/>
       </c:barChart>
       <c:catAx>
-        <c:axId val="834748064"/>
+        <c:axId val="953808128"/>
         <c:scaling>
           <c:orientation val="minMax"/>
         </c:scaling>
@@ -1277,7 +1886,7 @@
             <a:endParaRPr lang="ja-JP"/>
           </a:p>
         </c:txPr>
-        <c:crossAx val="834745344"/>
+        <c:crossAx val="953811936"/>
         <c:crosses val="autoZero"/>
         <c:auto val="1"/>
         <c:lblAlgn val="ctr"/>
@@ -1285,7 +1894,7 @@
         <c:noMultiLvlLbl val="0"/>
       </c:catAx>
       <c:valAx>
-        <c:axId val="834745344"/>
+        <c:axId val="953811936"/>
         <c:scaling>
           <c:orientation val="minMax"/>
           <c:max val="640"/>
@@ -1343,7 +1952,7 @@
             <a:endParaRPr lang="ja-JP"/>
           </a:p>
         </c:txPr>
-        <c:crossAx val="834748064"/>
+        <c:crossAx val="953808128"/>
         <c:crosses val="autoZero"/>
         <c:crossBetween val="between"/>
       </c:valAx>
@@ -1374,7 +1983,7 @@
 </c:chartSpace>
 </file>
 
-<file path=ppt/charts/chart3.xml><?xml version="1.0" encoding="utf-8"?>
+<file path=ppt/charts/chart4.xml><?xml version="1.0" encoding="utf-8"?>
 <c:chartSpace xmlns:c="http://schemas.openxmlformats.org/drawingml/2006/chart" xmlns:a="http://schemas.openxmlformats.org/drawingml/2006/main" xmlns:r="http://schemas.openxmlformats.org/officeDocument/2006/relationships">
   <c:date1904 val="0"/>
   <c:lang val="ja-JP"/>
@@ -1836,11 +2445,11 @@
         </c:dLbls>
         <c:gapWidth val="150"/>
         <c:overlap val="100"/>
-        <c:axId val="779542448"/>
-        <c:axId val="779551696"/>
+        <c:axId val="953813024"/>
+        <c:axId val="953803776"/>
       </c:barChart>
       <c:catAx>
-        <c:axId val="779542448"/>
+        <c:axId val="953813024"/>
         <c:scaling>
           <c:orientation val="minMax"/>
         </c:scaling>
@@ -1865,7 +2474,7 @@
             <a:endParaRPr lang="ja-JP"/>
           </a:p>
         </c:txPr>
-        <c:crossAx val="779551696"/>
+        <c:crossAx val="953803776"/>
         <c:crosses val="autoZero"/>
         <c:auto val="1"/>
         <c:lblAlgn val="ctr"/>
@@ -1873,7 +2482,7 @@
         <c:noMultiLvlLbl val="0"/>
       </c:catAx>
       <c:valAx>
-        <c:axId val="779551696"/>
+        <c:axId val="953803776"/>
         <c:scaling>
           <c:orientation val="minMax"/>
           <c:min val="0"/>
@@ -1942,7 +2551,7 @@
             <a:endParaRPr lang="ja-JP"/>
           </a:p>
         </c:txPr>
-        <c:crossAx val="779542448"/>
+        <c:crossAx val="953813024"/>
         <c:crosses val="autoZero"/>
         <c:crossBetween val="between"/>
       </c:valAx>
@@ -1970,7 +2579,7 @@
 </c:chartSpace>
 </file>
 
-<file path=ppt/charts/chart4.xml><?xml version="1.0" encoding="utf-8"?>
+<file path=ppt/charts/chart5.xml><?xml version="1.0" encoding="utf-8"?>
 <c:chartSpace xmlns:c="http://schemas.openxmlformats.org/drawingml/2006/chart" xmlns:a="http://schemas.openxmlformats.org/drawingml/2006/main" xmlns:r="http://schemas.openxmlformats.org/officeDocument/2006/relationships">
   <c:date1904 val="0"/>
   <c:lang val="ja-JP"/>
@@ -2095,11 +2704,11 @@
           <c:showBubbleSize val="0"/>
         </c:dLbls>
         <c:smooth val="0"/>
-        <c:axId val="834750240"/>
-        <c:axId val="834751328"/>
+        <c:axId val="1068965888"/>
+        <c:axId val="1068954464"/>
       </c:lineChart>
       <c:catAx>
-        <c:axId val="834750240"/>
+        <c:axId val="1068965888"/>
         <c:scaling>
           <c:orientation val="minMax"/>
         </c:scaling>
@@ -2144,7 +2753,6 @@
               </a:p>
             </c:rich>
           </c:tx>
-          <c:layout/>
           <c:overlay val="0"/>
           <c:spPr>
             <a:noFill/>
@@ -2202,7 +2810,7 @@
             <a:endParaRPr lang="ja-JP"/>
           </a:p>
         </c:txPr>
-        <c:crossAx val="834751328"/>
+        <c:crossAx val="1068954464"/>
         <c:crosses val="autoZero"/>
         <c:auto val="1"/>
         <c:lblAlgn val="ctr"/>
@@ -2210,7 +2818,7 @@
         <c:noMultiLvlLbl val="0"/>
       </c:catAx>
       <c:valAx>
-        <c:axId val="834751328"/>
+        <c:axId val="1068954464"/>
         <c:scaling>
           <c:orientation val="minMax"/>
         </c:scaling>
@@ -2298,7 +2906,6 @@
               </a:p>
             </c:rich>
           </c:tx>
-          <c:layout/>
           <c:overlay val="0"/>
           <c:spPr>
             <a:noFill/>
@@ -2356,7 +2963,7 @@
             <a:endParaRPr lang="ja-JP"/>
           </a:p>
         </c:txPr>
-        <c:crossAx val="834750240"/>
+        <c:crossAx val="1068965888"/>
         <c:crosses val="autoZero"/>
         <c:crossBetween val="between"/>
       </c:valAx>
@@ -3033,7 +3640,7 @@
           <a:p>
             <a:fld id="{00D06802-B8EF-4FD8-9511-F1F928CF3A55}" type="datetimeFigureOut">
               <a:rPr kumimoji="1" lang="ja-JP" altLang="en-US" smtClean="0"/>
-              <a:t>2016/4/6</a:t>
+              <a:t>2016/6/10</a:t>
             </a:fld>
             <a:endParaRPr kumimoji="1" lang="ja-JP" altLang="en-US"/>
           </a:p>
@@ -3492,7 +4099,7 @@
           <a:p>
             <a:fld id="{5AD86ED1-4052-46CE-AD33-B594EDDFDA10}" type="slidenum">
               <a:rPr kumimoji="1" lang="ja-JP" altLang="en-US" smtClean="0"/>
-              <a:t>22</a:t>
+              <a:t>23</a:t>
             </a:fld>
             <a:endParaRPr kumimoji="1" lang="ja-JP" altLang="en-US"/>
           </a:p>
@@ -3642,7 +4249,7 @@
           <a:p>
             <a:fld id="{AA641DB4-C951-4763-94FC-F650C3AA7E65}" type="datetimeFigureOut">
               <a:rPr kumimoji="1" lang="ja-JP" altLang="en-US" smtClean="0"/>
-              <a:t>2016/4/6</a:t>
+              <a:t>2016/6/10</a:t>
             </a:fld>
             <a:endParaRPr kumimoji="1" lang="ja-JP" altLang="en-US"/>
           </a:p>
@@ -3844,7 +4451,7 @@
           <a:p>
             <a:fld id="{AA641DB4-C951-4763-94FC-F650C3AA7E65}" type="datetimeFigureOut">
               <a:rPr kumimoji="1" lang="ja-JP" altLang="en-US" smtClean="0"/>
-              <a:t>2016/4/6</a:t>
+              <a:t>2016/6/10</a:t>
             </a:fld>
             <a:endParaRPr kumimoji="1" lang="ja-JP" altLang="en-US"/>
           </a:p>
@@ -4056,7 +4663,7 @@
           <a:p>
             <a:fld id="{AA641DB4-C951-4763-94FC-F650C3AA7E65}" type="datetimeFigureOut">
               <a:rPr kumimoji="1" lang="ja-JP" altLang="en-US" smtClean="0"/>
-              <a:t>2016/4/6</a:t>
+              <a:t>2016/6/10</a:t>
             </a:fld>
             <a:endParaRPr kumimoji="1" lang="ja-JP" altLang="en-US"/>
           </a:p>
@@ -4258,7 +4865,7 @@
           <a:p>
             <a:fld id="{AA641DB4-C951-4763-94FC-F650C3AA7E65}" type="datetimeFigureOut">
               <a:rPr kumimoji="1" lang="ja-JP" altLang="en-US" smtClean="0"/>
-              <a:t>2016/4/6</a:t>
+              <a:t>2016/6/10</a:t>
             </a:fld>
             <a:endParaRPr kumimoji="1" lang="ja-JP" altLang="en-US"/>
           </a:p>
@@ -4504,7 +5111,7 @@
           <a:p>
             <a:fld id="{AA641DB4-C951-4763-94FC-F650C3AA7E65}" type="datetimeFigureOut">
               <a:rPr kumimoji="1" lang="ja-JP" altLang="en-US" smtClean="0"/>
-              <a:t>2016/4/6</a:t>
+              <a:t>2016/6/10</a:t>
             </a:fld>
             <a:endParaRPr kumimoji="1" lang="ja-JP" altLang="en-US"/>
           </a:p>
@@ -4800,7 +5407,7 @@
           <a:p>
             <a:fld id="{AA641DB4-C951-4763-94FC-F650C3AA7E65}" type="datetimeFigureOut">
               <a:rPr kumimoji="1" lang="ja-JP" altLang="en-US" smtClean="0"/>
-              <a:t>2016/4/6</a:t>
+              <a:t>2016/6/10</a:t>
             </a:fld>
             <a:endParaRPr kumimoji="1" lang="ja-JP" altLang="en-US"/>
           </a:p>
@@ -5231,7 +5838,7 @@
           <a:p>
             <a:fld id="{AA641DB4-C951-4763-94FC-F650C3AA7E65}" type="datetimeFigureOut">
               <a:rPr kumimoji="1" lang="ja-JP" altLang="en-US" smtClean="0"/>
-              <a:t>2016/4/6</a:t>
+              <a:t>2016/6/10</a:t>
             </a:fld>
             <a:endParaRPr kumimoji="1" lang="ja-JP" altLang="en-US"/>
           </a:p>
@@ -5349,7 +5956,7 @@
           <a:p>
             <a:fld id="{AA641DB4-C951-4763-94FC-F650C3AA7E65}" type="datetimeFigureOut">
               <a:rPr kumimoji="1" lang="ja-JP" altLang="en-US" smtClean="0"/>
-              <a:t>2016/4/6</a:t>
+              <a:t>2016/6/10</a:t>
             </a:fld>
             <a:endParaRPr kumimoji="1" lang="ja-JP" altLang="en-US"/>
           </a:p>
@@ -5444,7 +6051,7 @@
           <a:p>
             <a:fld id="{AA641DB4-C951-4763-94FC-F650C3AA7E65}" type="datetimeFigureOut">
               <a:rPr kumimoji="1" lang="ja-JP" altLang="en-US" smtClean="0"/>
-              <a:t>2016/4/6</a:t>
+              <a:t>2016/6/10</a:t>
             </a:fld>
             <a:endParaRPr kumimoji="1" lang="ja-JP" altLang="en-US"/>
           </a:p>
@@ -5753,7 +6360,7 @@
           <a:p>
             <a:fld id="{AA641DB4-C951-4763-94FC-F650C3AA7E65}" type="datetimeFigureOut">
               <a:rPr kumimoji="1" lang="ja-JP" altLang="en-US" smtClean="0"/>
-              <a:t>2016/4/6</a:t>
+              <a:t>2016/6/10</a:t>
             </a:fld>
             <a:endParaRPr kumimoji="1" lang="ja-JP" altLang="en-US"/>
           </a:p>
@@ -6006,7 +6613,7 @@
           <a:p>
             <a:fld id="{AA641DB4-C951-4763-94FC-F650C3AA7E65}" type="datetimeFigureOut">
               <a:rPr kumimoji="1" lang="ja-JP" altLang="en-US" smtClean="0"/>
-              <a:t>2016/4/6</a:t>
+              <a:t>2016/6/10</a:t>
             </a:fld>
             <a:endParaRPr kumimoji="1" lang="ja-JP" altLang="en-US"/>
           </a:p>
@@ -6251,7 +6858,7 @@
           <a:p>
             <a:fld id="{AA641DB4-C951-4763-94FC-F650C3AA7E65}" type="datetimeFigureOut">
               <a:rPr kumimoji="1" lang="ja-JP" altLang="en-US" smtClean="0"/>
-              <a:t>2016/4/6</a:t>
+              <a:t>2016/6/10</a:t>
             </a:fld>
             <a:endParaRPr kumimoji="1" lang="ja-JP" altLang="en-US"/>
           </a:p>
@@ -18122,14 +18729,14 @@
           <p:nvPr>
             <p:extLst>
               <p:ext uri="{D42A27DB-BD31-4B8C-83A1-F6EECF244321}">
-                <p14:modId xmlns:p14="http://schemas.microsoft.com/office/powerpoint/2010/main" val="1030759774"/>
+                <p14:modId xmlns:p14="http://schemas.microsoft.com/office/powerpoint/2010/main" val="3914453591"/>
               </p:ext>
             </p:extLst>
           </p:nvPr>
         </p:nvGraphicFramePr>
         <p:xfrm>
           <a:off x="0" y="0"/>
-          <a:ext cx="12191999" cy="6858000"/>
+          <a:ext cx="12192000" cy="6858000"/>
         </p:xfrm>
         <a:graphic>
           <a:graphicData uri="http://schemas.openxmlformats.org/drawingml/2006/chart">
@@ -18140,7 +18747,7 @@
     </p:spTree>
     <p:extLst>
       <p:ext uri="{BB962C8B-B14F-4D97-AF65-F5344CB8AC3E}">
-        <p14:creationId xmlns:p14="http://schemas.microsoft.com/office/powerpoint/2010/main" val="2480370262"/>
+        <p14:creationId xmlns:p14="http://schemas.microsoft.com/office/powerpoint/2010/main" val="1144027129"/>
       </p:ext>
     </p:extLst>
   </p:cSld>
@@ -19195,6 +19802,60 @@
       </p:grpSpPr>
       <p:graphicFrame>
         <p:nvGraphicFramePr>
+          <p:cNvPr id="4" name="グラフ 3"/>
+          <p:cNvGraphicFramePr>
+            <a:graphicFrameLocks/>
+          </p:cNvGraphicFramePr>
+          <p:nvPr>
+            <p:extLst>
+              <p:ext uri="{D42A27DB-BD31-4B8C-83A1-F6EECF244321}">
+                <p14:modId xmlns:p14="http://schemas.microsoft.com/office/powerpoint/2010/main" val="1030759774"/>
+              </p:ext>
+            </p:extLst>
+          </p:nvPr>
+        </p:nvGraphicFramePr>
+        <p:xfrm>
+          <a:off x="0" y="0"/>
+          <a:ext cx="12191999" cy="6858000"/>
+        </p:xfrm>
+        <a:graphic>
+          <a:graphicData uri="http://schemas.openxmlformats.org/drawingml/2006/chart">
+            <c:chart xmlns:c="http://schemas.openxmlformats.org/drawingml/2006/chart" xmlns:r="http://schemas.openxmlformats.org/officeDocument/2006/relationships" r:id="rId2"/>
+          </a:graphicData>
+        </a:graphic>
+      </p:graphicFrame>
+    </p:spTree>
+    <p:extLst>
+      <p:ext uri="{BB962C8B-B14F-4D97-AF65-F5344CB8AC3E}">
+        <p14:creationId xmlns:p14="http://schemas.microsoft.com/office/powerpoint/2010/main" val="2480370262"/>
+      </p:ext>
+    </p:extLst>
+  </p:cSld>
+  <p:clrMapOvr>
+    <a:masterClrMapping/>
+  </p:clrMapOvr>
+</p:sld>
+</file>
+
+<file path=ppt/slides/slide21.xml><?xml version="1.0" encoding="utf-8"?>
+<p:sld xmlns:a="http://schemas.openxmlformats.org/drawingml/2006/main" xmlns:r="http://schemas.openxmlformats.org/officeDocument/2006/relationships" xmlns:p="http://schemas.openxmlformats.org/presentationml/2006/main">
+  <p:cSld>
+    <p:spTree>
+      <p:nvGrpSpPr>
+        <p:cNvPr id="1" name=""/>
+        <p:cNvGrpSpPr/>
+        <p:nvPr/>
+      </p:nvGrpSpPr>
+      <p:grpSpPr>
+        <a:xfrm>
+          <a:off x="0" y="0"/>
+          <a:ext cx="0" cy="0"/>
+          <a:chOff x="0" y="0"/>
+          <a:chExt cx="0" cy="0"/>
+        </a:xfrm>
+      </p:grpSpPr>
+      <p:graphicFrame>
+        <p:nvGraphicFramePr>
           <p:cNvPr id="2" name="グラフ 1"/>
           <p:cNvGraphicFramePr>
             <a:graphicFrameLocks/>
@@ -19230,7 +19891,7 @@
 </p:sld>
 </file>
 
-<file path=ppt/slides/slide21.xml><?xml version="1.0" encoding="utf-8"?>
+<file path=ppt/slides/slide22.xml><?xml version="1.0" encoding="utf-8"?>
 <p:sld xmlns:a="http://schemas.openxmlformats.org/drawingml/2006/main" xmlns:r="http://schemas.openxmlformats.org/officeDocument/2006/relationships" xmlns:p="http://schemas.openxmlformats.org/presentationml/2006/main">
   <p:cSld>
     <p:spTree>
@@ -19284,7 +19945,7 @@
 </p:sld>
 </file>
 
-<file path=ppt/slides/slide22.xml><?xml version="1.0" encoding="utf-8"?>
+<file path=ppt/slides/slide23.xml><?xml version="1.0" encoding="utf-8"?>
 <p:sld xmlns:a="http://schemas.openxmlformats.org/drawingml/2006/main" xmlns:r="http://schemas.openxmlformats.org/officeDocument/2006/relationships" xmlns:p="http://schemas.openxmlformats.org/presentationml/2006/main">
   <p:cSld>
     <p:spTree>
@@ -20514,7 +21175,7 @@
 </p:sld>
 </file>
 
-<file path=ppt/slides/slide23.xml><?xml version="1.0" encoding="utf-8"?>
+<file path=ppt/slides/slide24.xml><?xml version="1.0" encoding="utf-8"?>
 <p:sld xmlns:a="http://schemas.openxmlformats.org/drawingml/2006/main" xmlns:r="http://schemas.openxmlformats.org/officeDocument/2006/relationships" xmlns:p="http://schemas.openxmlformats.org/presentationml/2006/main">
   <p:cSld>
     <p:spTree>
@@ -21381,7 +22042,7 @@
 </p:sld>
 </file>
 
-<file path=ppt/slides/slide24.xml><?xml version="1.0" encoding="utf-8"?>
+<file path=ppt/slides/slide25.xml><?xml version="1.0" encoding="utf-8"?>
 <p:sld xmlns:a="http://schemas.openxmlformats.org/drawingml/2006/main" xmlns:r="http://schemas.openxmlformats.org/officeDocument/2006/relationships" xmlns:p="http://schemas.openxmlformats.org/presentationml/2006/main">
   <p:cSld>
     <p:spTree>

--- a/For_paper/For thesis.pptx
+++ b/For_paper/For thesis.pptx
@@ -5,7 +5,7 @@
     <p:sldMasterId id="2147483648" r:id="rId1"/>
   </p:sldMasterIdLst>
   <p:notesMasterIdLst>
-    <p:notesMasterId r:id="rId27"/>
+    <p:notesMasterId r:id="rId28"/>
   </p:notesMasterIdLst>
   <p:sldIdLst>
     <p:sldId id="301" r:id="rId2"/>
@@ -29,10 +29,11 @@
     <p:sldId id="321" r:id="rId20"/>
     <p:sldId id="315" r:id="rId21"/>
     <p:sldId id="320" r:id="rId22"/>
-    <p:sldId id="319" r:id="rId23"/>
-    <p:sldId id="287" r:id="rId24"/>
-    <p:sldId id="297" r:id="rId25"/>
-    <p:sldId id="299" r:id="rId26"/>
+    <p:sldId id="322" r:id="rId23"/>
+    <p:sldId id="319" r:id="rId24"/>
+    <p:sldId id="287" r:id="rId25"/>
+    <p:sldId id="297" r:id="rId26"/>
+    <p:sldId id="299" r:id="rId27"/>
   </p:sldIdLst>
   <p:sldSz cx="12192000" cy="6858000"/>
   <p:notesSz cx="6451600" cy="9321800"/>
@@ -601,11 +602,11 @@
         </c:dLbls>
         <c:gapWidth val="150"/>
         <c:overlap val="100"/>
-        <c:axId val="1113789424"/>
-        <c:axId val="953812480"/>
+        <c:axId val="-225694864"/>
+        <c:axId val="-225687792"/>
       </c:barChart>
       <c:catAx>
-        <c:axId val="1113789424"/>
+        <c:axId val="-225694864"/>
         <c:scaling>
           <c:orientation val="minMax"/>
         </c:scaling>
@@ -630,7 +631,7 @@
             <a:endParaRPr lang="ja-JP"/>
           </a:p>
         </c:txPr>
-        <c:crossAx val="953812480"/>
+        <c:crossAx val="-225687792"/>
         <c:crosses val="autoZero"/>
         <c:auto val="1"/>
         <c:lblAlgn val="ctr"/>
@@ -638,7 +639,7 @@
         <c:noMultiLvlLbl val="0"/>
       </c:catAx>
       <c:valAx>
-        <c:axId val="953812480"/>
+        <c:axId val="-225687792"/>
         <c:scaling>
           <c:orientation val="minMax"/>
           <c:min val="500"/>
@@ -713,7 +714,7 @@
             <a:endParaRPr lang="ja-JP"/>
           </a:p>
         </c:txPr>
-        <c:crossAx val="1113789424"/>
+        <c:crossAx val="-225694864"/>
         <c:crosses val="autoZero"/>
         <c:crossBetween val="between"/>
       </c:valAx>
@@ -1227,11 +1228,11 @@
         </c:dLbls>
         <c:gapWidth val="150"/>
         <c:overlap val="100"/>
-        <c:axId val="1175551856"/>
-        <c:axId val="1175564368"/>
+        <c:axId val="-225691600"/>
+        <c:axId val="-225691056"/>
       </c:barChart>
       <c:catAx>
-        <c:axId val="1175551856"/>
+        <c:axId val="-225691600"/>
         <c:scaling>
           <c:orientation val="minMax"/>
         </c:scaling>
@@ -1256,7 +1257,7 @@
             <a:endParaRPr lang="ja-JP"/>
           </a:p>
         </c:txPr>
-        <c:crossAx val="1175564368"/>
+        <c:crossAx val="-225691056"/>
         <c:crosses val="autoZero"/>
         <c:auto val="1"/>
         <c:lblAlgn val="ctr"/>
@@ -1264,7 +1265,7 @@
         <c:noMultiLvlLbl val="0"/>
       </c:catAx>
       <c:valAx>
-        <c:axId val="1175564368"/>
+        <c:axId val="-225691056"/>
         <c:scaling>
           <c:orientation val="minMax"/>
           <c:min val="500"/>
@@ -1321,7 +1322,7 @@
             <a:endParaRPr lang="ja-JP"/>
           </a:p>
         </c:txPr>
-        <c:crossAx val="1175551856"/>
+        <c:crossAx val="-225691600"/>
         <c:crosses val="autoZero"/>
         <c:crossBetween val="between"/>
       </c:valAx>
@@ -1835,11 +1836,11 @@
         </c:dLbls>
         <c:gapWidth val="150"/>
         <c:overlap val="100"/>
-        <c:axId val="953808128"/>
-        <c:axId val="953811936"/>
+        <c:axId val="-225683984"/>
+        <c:axId val="-225692688"/>
       </c:barChart>
       <c:catAx>
-        <c:axId val="953808128"/>
+        <c:axId val="-225683984"/>
         <c:scaling>
           <c:orientation val="minMax"/>
         </c:scaling>
@@ -1886,7 +1887,7 @@
             <a:endParaRPr lang="ja-JP"/>
           </a:p>
         </c:txPr>
-        <c:crossAx val="953811936"/>
+        <c:crossAx val="-225692688"/>
         <c:crosses val="autoZero"/>
         <c:auto val="1"/>
         <c:lblAlgn val="ctr"/>
@@ -1894,7 +1895,7 @@
         <c:noMultiLvlLbl val="0"/>
       </c:catAx>
       <c:valAx>
-        <c:axId val="953811936"/>
+        <c:axId val="-225692688"/>
         <c:scaling>
           <c:orientation val="minMax"/>
           <c:max val="640"/>
@@ -1952,7 +1953,7 @@
             <a:endParaRPr lang="ja-JP"/>
           </a:p>
         </c:txPr>
-        <c:crossAx val="953808128"/>
+        <c:crossAx val="-225683984"/>
         <c:crosses val="autoZero"/>
         <c:crossBetween val="between"/>
       </c:valAx>
@@ -2445,11 +2446,11 @@
         </c:dLbls>
         <c:gapWidth val="150"/>
         <c:overlap val="100"/>
-        <c:axId val="953813024"/>
-        <c:axId val="953803776"/>
+        <c:axId val="-225683440"/>
+        <c:axId val="-225692144"/>
       </c:barChart>
       <c:catAx>
-        <c:axId val="953813024"/>
+        <c:axId val="-225683440"/>
         <c:scaling>
           <c:orientation val="minMax"/>
         </c:scaling>
@@ -2474,7 +2475,7 @@
             <a:endParaRPr lang="ja-JP"/>
           </a:p>
         </c:txPr>
-        <c:crossAx val="953803776"/>
+        <c:crossAx val="-225692144"/>
         <c:crosses val="autoZero"/>
         <c:auto val="1"/>
         <c:lblAlgn val="ctr"/>
@@ -2482,7 +2483,7 @@
         <c:noMultiLvlLbl val="0"/>
       </c:catAx>
       <c:valAx>
-        <c:axId val="953803776"/>
+        <c:axId val="-225692144"/>
         <c:scaling>
           <c:orientation val="minMax"/>
           <c:min val="0"/>
@@ -2551,7 +2552,7 @@
             <a:endParaRPr lang="ja-JP"/>
           </a:p>
         </c:txPr>
-        <c:crossAx val="953813024"/>
+        <c:crossAx val="-225683440"/>
         <c:crosses val="autoZero"/>
         <c:crossBetween val="between"/>
       </c:valAx>
@@ -2580,6 +2581,717 @@
 </file>
 
 <file path=ppt/charts/chart5.xml><?xml version="1.0" encoding="utf-8"?>
+<c:chartSpace xmlns:c="http://schemas.openxmlformats.org/drawingml/2006/chart" xmlns:a="http://schemas.openxmlformats.org/drawingml/2006/main" xmlns:r="http://schemas.openxmlformats.org/officeDocument/2006/relationships">
+  <c:date1904 val="0"/>
+  <c:lang val="ja-JP"/>
+  <c:roundedCorners val="0"/>
+  <mc:AlternateContent xmlns:mc="http://schemas.openxmlformats.org/markup-compatibility/2006">
+    <mc:Choice xmlns:c14="http://schemas.microsoft.com/office/drawing/2007/8/2/chart" Requires="c14">
+      <c14:style val="102"/>
+    </mc:Choice>
+    <mc:Fallback>
+      <c:style val="2"/>
+    </mc:Fallback>
+  </mc:AlternateContent>
+  <c:chart>
+    <c:autoTitleDeleted val="1"/>
+    <c:plotArea>
+      <c:layout>
+        <c:manualLayout>
+          <c:layoutTarget val="inner"/>
+          <c:xMode val="edge"/>
+          <c:yMode val="edge"/>
+          <c:x val="9.2328903259059722E-2"/>
+          <c:y val="3.1848513313090361E-2"/>
+          <c:w val="0.90767111123373145"/>
+          <c:h val="0.85396664418652957"/>
+        </c:manualLayout>
+      </c:layout>
+      <c:barChart>
+        <c:barDir val="col"/>
+        <c:grouping val="stacked"/>
+        <c:varyColors val="0"/>
+        <c:ser>
+          <c:idx val="0"/>
+          <c:order val="0"/>
+          <c:tx>
+            <c:strRef>
+              <c:f>graph!$A$13</c:f>
+              <c:strCache>
+                <c:ptCount val="1"/>
+                <c:pt idx="0">
+                  <c:v>箱の境界1</c:v>
+                </c:pt>
+              </c:strCache>
+            </c:strRef>
+          </c:tx>
+          <c:spPr>
+            <a:noFill/>
+            <a:ln w="25400">
+              <a:noFill/>
+            </a:ln>
+          </c:spPr>
+          <c:invertIfNegative val="0"/>
+          <c:errBars>
+            <c:errBarType val="plus"/>
+            <c:errValType val="cust"/>
+            <c:noEndCap val="0"/>
+            <c:plus>
+              <c:numRef>
+                <c:f>graph!$B$16:$H$16</c:f>
+                <c:numCache>
+                  <c:formatCode>General</c:formatCode>
+                  <c:ptCount val="7"/>
+                  <c:pt idx="0">
+                    <c:v>-9.2499999999999999E-2</c:v>
+                  </c:pt>
+                  <c:pt idx="1">
+                    <c:v>-9.5750000000000002E-2</c:v>
+                  </c:pt>
+                  <c:pt idx="2">
+                    <c:v>-0.24324999999999974</c:v>
+                  </c:pt>
+                  <c:pt idx="3">
+                    <c:v>-0.19099999999999984</c:v>
+                  </c:pt>
+                  <c:pt idx="4">
+                    <c:v>-0.16575000000000095</c:v>
+                  </c:pt>
+                  <c:pt idx="5">
+                    <c:v>-5.0250000000000128E-2</c:v>
+                  </c:pt>
+                  <c:pt idx="6">
+                    <c:v>-0.28324999999999978</c:v>
+                  </c:pt>
+                </c:numCache>
+              </c:numRef>
+            </c:plus>
+            <c:minus>
+              <c:numLit>
+                <c:formatCode>General</c:formatCode>
+                <c:ptCount val="1"/>
+                <c:pt idx="0">
+                  <c:v>1</c:v>
+                </c:pt>
+              </c:numLit>
+            </c:minus>
+          </c:errBars>
+          <c:cat>
+            <c:strRef>
+              <c:f>graph!$B$12:$H$12</c:f>
+              <c:strCache>
+                <c:ptCount val="7"/>
+                <c:pt idx="0">
+                  <c:v>VM2</c:v>
+                </c:pt>
+                <c:pt idx="1">
+                  <c:v>VM3</c:v>
+                </c:pt>
+                <c:pt idx="2">
+                  <c:v>VM4</c:v>
+                </c:pt>
+                <c:pt idx="3">
+                  <c:v>VM5</c:v>
+                </c:pt>
+                <c:pt idx="4">
+                  <c:v>VM6</c:v>
+                </c:pt>
+                <c:pt idx="5">
+                  <c:v>VM7</c:v>
+                </c:pt>
+                <c:pt idx="6">
+                  <c:v>VM8</c:v>
+                </c:pt>
+              </c:strCache>
+            </c:strRef>
+          </c:cat>
+          <c:val>
+            <c:numRef>
+              <c:f>graph!$B$13:$H$13</c:f>
+              <c:numCache>
+                <c:formatCode>0.000000_ </c:formatCode>
+                <c:ptCount val="7"/>
+                <c:pt idx="0">
+                  <c:v>0.26050000000000001</c:v>
+                </c:pt>
+                <c:pt idx="1">
+                  <c:v>1.2757499999999999</c:v>
+                </c:pt>
+                <c:pt idx="2">
+                  <c:v>2.3272499999999998</c:v>
+                </c:pt>
+                <c:pt idx="3">
+                  <c:v>3.3969999999999998</c:v>
+                </c:pt>
+                <c:pt idx="4">
+                  <c:v>4.3777500000000007</c:v>
+                </c:pt>
+                <c:pt idx="5">
+                  <c:v>5.3152499999999998</c:v>
+                </c:pt>
+                <c:pt idx="6">
+                  <c:v>6.4532499999999997</c:v>
+                </c:pt>
+              </c:numCache>
+            </c:numRef>
+          </c:val>
+        </c:ser>
+        <c:ser>
+          <c:idx val="1"/>
+          <c:order val="1"/>
+          <c:tx>
+            <c:strRef>
+              <c:f>graph!$A$14</c:f>
+              <c:strCache>
+                <c:ptCount val="1"/>
+                <c:pt idx="0">
+                  <c:v>中央線</c:v>
+                </c:pt>
+              </c:strCache>
+            </c:strRef>
+          </c:tx>
+          <c:spPr>
+            <a:solidFill>
+              <a:schemeClr val="accent5">
+                <a:lumMod val="60000"/>
+                <a:lumOff val="40000"/>
+              </a:schemeClr>
+            </a:solidFill>
+            <a:ln>
+              <a:solidFill>
+                <a:sysClr val="windowText" lastClr="000000"/>
+              </a:solidFill>
+            </a:ln>
+          </c:spPr>
+          <c:invertIfNegative val="0"/>
+          <c:dPt>
+            <c:idx val="0"/>
+            <c:invertIfNegative val="0"/>
+            <c:bubble3D val="0"/>
+            <c:spPr>
+              <a:solidFill>
+                <a:schemeClr val="accent5">
+                  <a:lumMod val="60000"/>
+                  <a:lumOff val="40000"/>
+                </a:schemeClr>
+              </a:solidFill>
+              <a:ln>
+                <a:solidFill>
+                  <a:sysClr val="windowText" lastClr="000000"/>
+                </a:solidFill>
+                <a:prstDash val="solid"/>
+              </a:ln>
+            </c:spPr>
+          </c:dPt>
+          <c:dPt>
+            <c:idx val="1"/>
+            <c:invertIfNegative val="0"/>
+            <c:bubble3D val="0"/>
+            <c:spPr>
+              <a:solidFill>
+                <a:schemeClr val="accent5">
+                  <a:lumMod val="60000"/>
+                  <a:lumOff val="40000"/>
+                </a:schemeClr>
+              </a:solidFill>
+              <a:ln>
+                <a:solidFill>
+                  <a:sysClr val="windowText" lastClr="000000"/>
+                </a:solidFill>
+                <a:prstDash val="solid"/>
+              </a:ln>
+            </c:spPr>
+          </c:dPt>
+          <c:dPt>
+            <c:idx val="2"/>
+            <c:invertIfNegative val="0"/>
+            <c:bubble3D val="0"/>
+            <c:spPr>
+              <a:solidFill>
+                <a:schemeClr val="accent5">
+                  <a:lumMod val="60000"/>
+                  <a:lumOff val="40000"/>
+                </a:schemeClr>
+              </a:solidFill>
+              <a:ln>
+                <a:solidFill>
+                  <a:sysClr val="windowText" lastClr="000000"/>
+                </a:solidFill>
+                <a:prstDash val="solid"/>
+              </a:ln>
+            </c:spPr>
+          </c:dPt>
+          <c:dPt>
+            <c:idx val="3"/>
+            <c:invertIfNegative val="0"/>
+            <c:bubble3D val="0"/>
+            <c:spPr>
+              <a:solidFill>
+                <a:schemeClr val="accent5">
+                  <a:lumMod val="60000"/>
+                  <a:lumOff val="40000"/>
+                </a:schemeClr>
+              </a:solidFill>
+              <a:ln>
+                <a:solidFill>
+                  <a:sysClr val="windowText" lastClr="000000"/>
+                </a:solidFill>
+                <a:prstDash val="solid"/>
+              </a:ln>
+            </c:spPr>
+          </c:dPt>
+          <c:dPt>
+            <c:idx val="4"/>
+            <c:invertIfNegative val="0"/>
+            <c:bubble3D val="0"/>
+            <c:spPr>
+              <a:solidFill>
+                <a:schemeClr val="accent5">
+                  <a:lumMod val="60000"/>
+                  <a:lumOff val="40000"/>
+                </a:schemeClr>
+              </a:solidFill>
+              <a:ln>
+                <a:solidFill>
+                  <a:sysClr val="windowText" lastClr="000000"/>
+                </a:solidFill>
+                <a:prstDash val="solid"/>
+              </a:ln>
+            </c:spPr>
+          </c:dPt>
+          <c:cat>
+            <c:strRef>
+              <c:f>graph!$B$12:$H$12</c:f>
+              <c:strCache>
+                <c:ptCount val="7"/>
+                <c:pt idx="0">
+                  <c:v>VM2</c:v>
+                </c:pt>
+                <c:pt idx="1">
+                  <c:v>VM3</c:v>
+                </c:pt>
+                <c:pt idx="2">
+                  <c:v>VM4</c:v>
+                </c:pt>
+                <c:pt idx="3">
+                  <c:v>VM5</c:v>
+                </c:pt>
+                <c:pt idx="4">
+                  <c:v>VM6</c:v>
+                </c:pt>
+                <c:pt idx="5">
+                  <c:v>VM7</c:v>
+                </c:pt>
+                <c:pt idx="6">
+                  <c:v>VM8</c:v>
+                </c:pt>
+              </c:strCache>
+            </c:strRef>
+          </c:cat>
+          <c:val>
+            <c:numRef>
+              <c:f>graph!$B$14:$H$14</c:f>
+              <c:numCache>
+                <c:formatCode>0.000000_ </c:formatCode>
+                <c:ptCount val="7"/>
+                <c:pt idx="0">
+                  <c:v>0.29899999999999999</c:v>
+                </c:pt>
+                <c:pt idx="1">
+                  <c:v>0.21125000000000016</c:v>
+                </c:pt>
+                <c:pt idx="2">
+                  <c:v>0.12775000000000025</c:v>
+                </c:pt>
+                <c:pt idx="3">
+                  <c:v>0.22950000000000026</c:v>
+                </c:pt>
+                <c:pt idx="4">
+                  <c:v>8.8249999999998607E-2</c:v>
+                </c:pt>
+                <c:pt idx="5">
+                  <c:v>4.7749999999999737E-2</c:v>
+                </c:pt>
+                <c:pt idx="6">
+                  <c:v>0.20324999999999971</c:v>
+                </c:pt>
+              </c:numCache>
+            </c:numRef>
+          </c:val>
+        </c:ser>
+        <c:ser>
+          <c:idx val="2"/>
+          <c:order val="2"/>
+          <c:tx>
+            <c:strRef>
+              <c:f>graph!$A$15</c:f>
+              <c:strCache>
+                <c:ptCount val="1"/>
+                <c:pt idx="0">
+                  <c:v>箱の境界2</c:v>
+                </c:pt>
+              </c:strCache>
+            </c:strRef>
+          </c:tx>
+          <c:spPr>
+            <a:solidFill>
+              <a:schemeClr val="accent5">
+                <a:lumMod val="60000"/>
+                <a:lumOff val="40000"/>
+              </a:schemeClr>
+            </a:solidFill>
+            <a:ln>
+              <a:solidFill>
+                <a:sysClr val="windowText" lastClr="000000"/>
+              </a:solidFill>
+            </a:ln>
+          </c:spPr>
+          <c:invertIfNegative val="0"/>
+          <c:dPt>
+            <c:idx val="0"/>
+            <c:invertIfNegative val="0"/>
+            <c:bubble3D val="0"/>
+            <c:spPr>
+              <a:solidFill>
+                <a:schemeClr val="accent5">
+                  <a:lumMod val="60000"/>
+                  <a:lumOff val="40000"/>
+                </a:schemeClr>
+              </a:solidFill>
+              <a:ln>
+                <a:solidFill>
+                  <a:sysClr val="windowText" lastClr="000000"/>
+                </a:solidFill>
+                <a:prstDash val="solid"/>
+              </a:ln>
+            </c:spPr>
+          </c:dPt>
+          <c:dPt>
+            <c:idx val="1"/>
+            <c:invertIfNegative val="0"/>
+            <c:bubble3D val="0"/>
+            <c:spPr>
+              <a:solidFill>
+                <a:schemeClr val="accent5">
+                  <a:lumMod val="60000"/>
+                  <a:lumOff val="40000"/>
+                </a:schemeClr>
+              </a:solidFill>
+              <a:ln>
+                <a:solidFill>
+                  <a:sysClr val="windowText" lastClr="000000"/>
+                </a:solidFill>
+                <a:prstDash val="solid"/>
+              </a:ln>
+            </c:spPr>
+          </c:dPt>
+          <c:dPt>
+            <c:idx val="2"/>
+            <c:invertIfNegative val="0"/>
+            <c:bubble3D val="0"/>
+            <c:spPr>
+              <a:solidFill>
+                <a:schemeClr val="accent5">
+                  <a:lumMod val="60000"/>
+                  <a:lumOff val="40000"/>
+                </a:schemeClr>
+              </a:solidFill>
+              <a:ln>
+                <a:solidFill>
+                  <a:sysClr val="windowText" lastClr="000000"/>
+                </a:solidFill>
+                <a:prstDash val="solid"/>
+              </a:ln>
+            </c:spPr>
+          </c:dPt>
+          <c:dPt>
+            <c:idx val="3"/>
+            <c:invertIfNegative val="0"/>
+            <c:bubble3D val="0"/>
+            <c:spPr>
+              <a:solidFill>
+                <a:schemeClr val="accent5">
+                  <a:lumMod val="60000"/>
+                  <a:lumOff val="40000"/>
+                </a:schemeClr>
+              </a:solidFill>
+              <a:ln>
+                <a:solidFill>
+                  <a:sysClr val="windowText" lastClr="000000"/>
+                </a:solidFill>
+                <a:prstDash val="solid"/>
+              </a:ln>
+            </c:spPr>
+          </c:dPt>
+          <c:dPt>
+            <c:idx val="4"/>
+            <c:invertIfNegative val="0"/>
+            <c:bubble3D val="0"/>
+            <c:spPr>
+              <a:solidFill>
+                <a:schemeClr val="accent5">
+                  <a:lumMod val="60000"/>
+                  <a:lumOff val="40000"/>
+                </a:schemeClr>
+              </a:solidFill>
+              <a:ln>
+                <a:solidFill>
+                  <a:sysClr val="windowText" lastClr="000000"/>
+                </a:solidFill>
+                <a:prstDash val="solid"/>
+              </a:ln>
+            </c:spPr>
+          </c:dPt>
+          <c:errBars>
+            <c:errBarType val="plus"/>
+            <c:errValType val="cust"/>
+            <c:noEndCap val="0"/>
+            <c:plus>
+              <c:numRef>
+                <c:f>graph!$B$17:$H$17</c:f>
+                <c:numCache>
+                  <c:formatCode>General</c:formatCode>
+                  <c:ptCount val="7"/>
+                  <c:pt idx="0">
+                    <c:v>9.8999999999999977E-2</c:v>
+                  </c:pt>
+                  <c:pt idx="1">
+                    <c:v>0.30200000000000005</c:v>
+                  </c:pt>
+                  <c:pt idx="2">
+                    <c:v>0.24624999999999986</c:v>
+                  </c:pt>
+                  <c:pt idx="3">
+                    <c:v>5.3500000000000103E-2</c:v>
+                  </c:pt>
+                  <c:pt idx="4">
+                    <c:v>0.39650000000000052</c:v>
+                  </c:pt>
+                  <c:pt idx="5">
+                    <c:v>0.21574999999999989</c:v>
+                  </c:pt>
+                  <c:pt idx="6">
+                    <c:v>0.15674999999999972</c:v>
+                  </c:pt>
+                </c:numCache>
+              </c:numRef>
+            </c:plus>
+            <c:minus>
+              <c:numLit>
+                <c:formatCode>General</c:formatCode>
+                <c:ptCount val="1"/>
+                <c:pt idx="0">
+                  <c:v>1</c:v>
+                </c:pt>
+              </c:numLit>
+            </c:minus>
+          </c:errBars>
+          <c:cat>
+            <c:strRef>
+              <c:f>graph!$B$12:$H$12</c:f>
+              <c:strCache>
+                <c:ptCount val="7"/>
+                <c:pt idx="0">
+                  <c:v>VM2</c:v>
+                </c:pt>
+                <c:pt idx="1">
+                  <c:v>VM3</c:v>
+                </c:pt>
+                <c:pt idx="2">
+                  <c:v>VM4</c:v>
+                </c:pt>
+                <c:pt idx="3">
+                  <c:v>VM5</c:v>
+                </c:pt>
+                <c:pt idx="4">
+                  <c:v>VM6</c:v>
+                </c:pt>
+                <c:pt idx="5">
+                  <c:v>VM7</c:v>
+                </c:pt>
+                <c:pt idx="6">
+                  <c:v>VM8</c:v>
+                </c:pt>
+              </c:strCache>
+            </c:strRef>
+          </c:cat>
+          <c:val>
+            <c:numRef>
+              <c:f>graph!$B$15:$H$15</c:f>
+              <c:numCache>
+                <c:formatCode>0.000000_ </c:formatCode>
+                <c:ptCount val="7"/>
+                <c:pt idx="0">
+                  <c:v>0.21350000000000002</c:v>
+                </c:pt>
+                <c:pt idx="1">
+                  <c:v>0.18199999999999994</c:v>
+                </c:pt>
+                <c:pt idx="2">
+                  <c:v>0.26774999999999993</c:v>
+                </c:pt>
+                <c:pt idx="3">
+                  <c:v>0.16699999999999982</c:v>
+                </c:pt>
+                <c:pt idx="4">
+                  <c:v>0.10850000000000026</c:v>
+                </c:pt>
+                <c:pt idx="5">
+                  <c:v>6.1250000000000249E-2</c:v>
+                </c:pt>
+                <c:pt idx="6">
+                  <c:v>0.11375000000000046</c:v>
+                </c:pt>
+              </c:numCache>
+            </c:numRef>
+          </c:val>
+        </c:ser>
+        <c:dLbls>
+          <c:showLegendKey val="0"/>
+          <c:showVal val="0"/>
+          <c:showCatName val="0"/>
+          <c:showSerName val="0"/>
+          <c:showPercent val="0"/>
+          <c:showBubbleSize val="0"/>
+        </c:dLbls>
+        <c:gapWidth val="150"/>
+        <c:overlap val="100"/>
+        <c:axId val="-220851296"/>
+        <c:axId val="-220860544"/>
+      </c:barChart>
+      <c:catAx>
+        <c:axId val="-220851296"/>
+        <c:scaling>
+          <c:orientation val="minMax"/>
+        </c:scaling>
+        <c:delete val="0"/>
+        <c:axPos val="b"/>
+        <c:numFmt formatCode="General" sourceLinked="0"/>
+        <c:majorTickMark val="out"/>
+        <c:minorTickMark val="none"/>
+        <c:tickLblPos val="low"/>
+        <c:spPr>
+          <a:ln/>
+        </c:spPr>
+        <c:txPr>
+          <a:bodyPr/>
+          <a:lstStyle/>
+          <a:p>
+            <a:pPr>
+              <a:defRPr sz="2000" b="1" i="0" baseline="0">
+                <a:latin typeface="メイリオ" panose="020B0604030504040204" pitchFamily="50" charset="-128"/>
+              </a:defRPr>
+            </a:pPr>
+            <a:endParaRPr lang="ja-JP"/>
+          </a:p>
+        </c:txPr>
+        <c:crossAx val="-220860544"/>
+        <c:crosses val="autoZero"/>
+        <c:auto val="1"/>
+        <c:lblAlgn val="ctr"/>
+        <c:lblOffset val="100"/>
+        <c:noMultiLvlLbl val="0"/>
+      </c:catAx>
+      <c:valAx>
+        <c:axId val="-220860544"/>
+        <c:scaling>
+          <c:orientation val="minMax"/>
+          <c:max val="7"/>
+          <c:min val="0"/>
+        </c:scaling>
+        <c:delete val="0"/>
+        <c:axPos val="l"/>
+        <c:majorGridlines/>
+        <c:title>
+          <c:tx>
+            <c:rich>
+              <a:bodyPr/>
+              <a:lstStyle/>
+              <a:p>
+                <a:pPr>
+                  <a:defRPr baseline="0">
+                    <a:latin typeface="メイリオ" panose="020B0604030504040204" pitchFamily="50" charset="-128"/>
+                  </a:defRPr>
+                </a:pPr>
+                <a:r>
+                  <a:rPr lang="en-US" altLang="ja-JP" sz="2400" b="0" baseline="0" dirty="0">
+                    <a:latin typeface="メイリオ" panose="020B0604030504040204" pitchFamily="50" charset="-128"/>
+                  </a:rPr>
+                  <a:t>Execution Time [</a:t>
+                </a:r>
+                <a:r>
+                  <a:rPr lang="en-US" altLang="ja-JP" sz="2400" b="0" baseline="0" dirty="0" err="1">
+                    <a:latin typeface="メイリオ" panose="020B0604030504040204" pitchFamily="50" charset="-128"/>
+                  </a:rPr>
+                  <a:t>msec</a:t>
+                </a:r>
+                <a:r>
+                  <a:rPr lang="en-US" altLang="ja-JP" sz="2400" b="0" baseline="0" dirty="0">
+                    <a:latin typeface="メイリオ" panose="020B0604030504040204" pitchFamily="50" charset="-128"/>
+                  </a:rPr>
+                  <a:t>]</a:t>
+                </a:r>
+                <a:endParaRPr lang="ja-JP" altLang="en-US" sz="2400" b="0" baseline="0" dirty="0">
+                  <a:latin typeface="メイリオ" panose="020B0604030504040204" pitchFamily="50" charset="-128"/>
+                </a:endParaRPr>
+              </a:p>
+            </c:rich>
+          </c:tx>
+          <c:layout>
+            <c:manualLayout>
+              <c:xMode val="edge"/>
+              <c:yMode val="edge"/>
+              <c:x val="0"/>
+              <c:y val="0.27602911096500843"/>
+            </c:manualLayout>
+          </c:layout>
+          <c:overlay val="0"/>
+        </c:title>
+        <c:numFmt formatCode="General" sourceLinked="0"/>
+        <c:majorTickMark val="out"/>
+        <c:minorTickMark val="none"/>
+        <c:tickLblPos val="nextTo"/>
+        <c:txPr>
+          <a:bodyPr/>
+          <a:lstStyle/>
+          <a:p>
+            <a:pPr>
+              <a:defRPr sz="2000" baseline="0">
+                <a:latin typeface="Arial Unicode MS" panose="020B0604020202020204" pitchFamily="50" charset="-128"/>
+              </a:defRPr>
+            </a:pPr>
+            <a:endParaRPr lang="ja-JP"/>
+          </a:p>
+        </c:txPr>
+        <c:crossAx val="-220851296"/>
+        <c:crosses val="autoZero"/>
+        <c:crossBetween val="between"/>
+      </c:valAx>
+      <c:spPr>
+        <a:noFill/>
+      </c:spPr>
+    </c:plotArea>
+    <c:plotVisOnly val="1"/>
+    <c:dispBlanksAs val="gap"/>
+    <c:showDLblsOverMax val="0"/>
+  </c:chart>
+  <c:txPr>
+    <a:bodyPr/>
+    <a:lstStyle/>
+    <a:p>
+      <a:pPr>
+        <a:defRPr sz="900"/>
+      </a:pPr>
+      <a:endParaRPr lang="ja-JP"/>
+    </a:p>
+  </c:txPr>
+  <c:externalData r:id="rId1">
+    <c:autoUpdate val="0"/>
+  </c:externalData>
+</c:chartSpace>
+</file>
+
+<file path=ppt/charts/chart6.xml><?xml version="1.0" encoding="utf-8"?>
 <c:chartSpace xmlns:c="http://schemas.openxmlformats.org/drawingml/2006/chart" xmlns:a="http://schemas.openxmlformats.org/drawingml/2006/main" xmlns:r="http://schemas.openxmlformats.org/officeDocument/2006/relationships">
   <c:date1904 val="0"/>
   <c:lang val="ja-JP"/>
@@ -2704,11 +3416,11 @@
           <c:showBubbleSize val="0"/>
         </c:dLbls>
         <c:smooth val="0"/>
-        <c:axId val="1068965888"/>
-        <c:axId val="1068954464"/>
+        <c:axId val="-225693776"/>
+        <c:axId val="-225690512"/>
       </c:lineChart>
       <c:catAx>
-        <c:axId val="1068965888"/>
+        <c:axId val="-225693776"/>
         <c:scaling>
           <c:orientation val="minMax"/>
         </c:scaling>
@@ -2753,6 +3465,7 @@
               </a:p>
             </c:rich>
           </c:tx>
+          <c:layout/>
           <c:overlay val="0"/>
           <c:spPr>
             <a:noFill/>
@@ -2810,7 +3523,7 @@
             <a:endParaRPr lang="ja-JP"/>
           </a:p>
         </c:txPr>
-        <c:crossAx val="1068954464"/>
+        <c:crossAx val="-225690512"/>
         <c:crosses val="autoZero"/>
         <c:auto val="1"/>
         <c:lblAlgn val="ctr"/>
@@ -2818,7 +3531,7 @@
         <c:noMultiLvlLbl val="0"/>
       </c:catAx>
       <c:valAx>
-        <c:axId val="1068954464"/>
+        <c:axId val="-225690512"/>
         <c:scaling>
           <c:orientation val="minMax"/>
         </c:scaling>
@@ -2906,6 +3619,7 @@
               </a:p>
             </c:rich>
           </c:tx>
+          <c:layout/>
           <c:overlay val="0"/>
           <c:spPr>
             <a:noFill/>
@@ -2963,7 +3677,7 @@
             <a:endParaRPr lang="ja-JP"/>
           </a:p>
         </c:txPr>
-        <c:crossAx val="1068965888"/>
+        <c:crossAx val="-225693776"/>
         <c:crosses val="autoZero"/>
         <c:crossBetween val="between"/>
       </c:valAx>
@@ -3640,7 +4354,7 @@
           <a:p>
             <a:fld id="{00D06802-B8EF-4FD8-9511-F1F928CF3A55}" type="datetimeFigureOut">
               <a:rPr kumimoji="1" lang="ja-JP" altLang="en-US" smtClean="0"/>
-              <a:t>2016/6/10</a:t>
+              <a:t>2016/10/30</a:t>
             </a:fld>
             <a:endParaRPr kumimoji="1" lang="ja-JP" altLang="en-US"/>
           </a:p>
@@ -4099,7 +4813,7 @@
           <a:p>
             <a:fld id="{5AD86ED1-4052-46CE-AD33-B594EDDFDA10}" type="slidenum">
               <a:rPr kumimoji="1" lang="ja-JP" altLang="en-US" smtClean="0"/>
-              <a:t>23</a:t>
+              <a:t>24</a:t>
             </a:fld>
             <a:endParaRPr kumimoji="1" lang="ja-JP" altLang="en-US"/>
           </a:p>
@@ -4249,7 +4963,7 @@
           <a:p>
             <a:fld id="{AA641DB4-C951-4763-94FC-F650C3AA7E65}" type="datetimeFigureOut">
               <a:rPr kumimoji="1" lang="ja-JP" altLang="en-US" smtClean="0"/>
-              <a:t>2016/6/10</a:t>
+              <a:t>2016/10/30</a:t>
             </a:fld>
             <a:endParaRPr kumimoji="1" lang="ja-JP" altLang="en-US"/>
           </a:p>
@@ -4451,7 +5165,7 @@
           <a:p>
             <a:fld id="{AA641DB4-C951-4763-94FC-F650C3AA7E65}" type="datetimeFigureOut">
               <a:rPr kumimoji="1" lang="ja-JP" altLang="en-US" smtClean="0"/>
-              <a:t>2016/6/10</a:t>
+              <a:t>2016/10/30</a:t>
             </a:fld>
             <a:endParaRPr kumimoji="1" lang="ja-JP" altLang="en-US"/>
           </a:p>
@@ -4663,7 +5377,7 @@
           <a:p>
             <a:fld id="{AA641DB4-C951-4763-94FC-F650C3AA7E65}" type="datetimeFigureOut">
               <a:rPr kumimoji="1" lang="ja-JP" altLang="en-US" smtClean="0"/>
-              <a:t>2016/6/10</a:t>
+              <a:t>2016/10/30</a:t>
             </a:fld>
             <a:endParaRPr kumimoji="1" lang="ja-JP" altLang="en-US"/>
           </a:p>
@@ -4865,7 +5579,7 @@
           <a:p>
             <a:fld id="{AA641DB4-C951-4763-94FC-F650C3AA7E65}" type="datetimeFigureOut">
               <a:rPr kumimoji="1" lang="ja-JP" altLang="en-US" smtClean="0"/>
-              <a:t>2016/6/10</a:t>
+              <a:t>2016/10/30</a:t>
             </a:fld>
             <a:endParaRPr kumimoji="1" lang="ja-JP" altLang="en-US"/>
           </a:p>
@@ -5111,7 +5825,7 @@
           <a:p>
             <a:fld id="{AA641DB4-C951-4763-94FC-F650C3AA7E65}" type="datetimeFigureOut">
               <a:rPr kumimoji="1" lang="ja-JP" altLang="en-US" smtClean="0"/>
-              <a:t>2016/6/10</a:t>
+              <a:t>2016/10/30</a:t>
             </a:fld>
             <a:endParaRPr kumimoji="1" lang="ja-JP" altLang="en-US"/>
           </a:p>
@@ -5407,7 +6121,7 @@
           <a:p>
             <a:fld id="{AA641DB4-C951-4763-94FC-F650C3AA7E65}" type="datetimeFigureOut">
               <a:rPr kumimoji="1" lang="ja-JP" altLang="en-US" smtClean="0"/>
-              <a:t>2016/6/10</a:t>
+              <a:t>2016/10/30</a:t>
             </a:fld>
             <a:endParaRPr kumimoji="1" lang="ja-JP" altLang="en-US"/>
           </a:p>
@@ -5838,7 +6552,7 @@
           <a:p>
             <a:fld id="{AA641DB4-C951-4763-94FC-F650C3AA7E65}" type="datetimeFigureOut">
               <a:rPr kumimoji="1" lang="ja-JP" altLang="en-US" smtClean="0"/>
-              <a:t>2016/6/10</a:t>
+              <a:t>2016/10/30</a:t>
             </a:fld>
             <a:endParaRPr kumimoji="1" lang="ja-JP" altLang="en-US"/>
           </a:p>
@@ -5956,7 +6670,7 @@
           <a:p>
             <a:fld id="{AA641DB4-C951-4763-94FC-F650C3AA7E65}" type="datetimeFigureOut">
               <a:rPr kumimoji="1" lang="ja-JP" altLang="en-US" smtClean="0"/>
-              <a:t>2016/6/10</a:t>
+              <a:t>2016/10/30</a:t>
             </a:fld>
             <a:endParaRPr kumimoji="1" lang="ja-JP" altLang="en-US"/>
           </a:p>
@@ -6051,7 +6765,7 @@
           <a:p>
             <a:fld id="{AA641DB4-C951-4763-94FC-F650C3AA7E65}" type="datetimeFigureOut">
               <a:rPr kumimoji="1" lang="ja-JP" altLang="en-US" smtClean="0"/>
-              <a:t>2016/6/10</a:t>
+              <a:t>2016/10/30</a:t>
             </a:fld>
             <a:endParaRPr kumimoji="1" lang="ja-JP" altLang="en-US"/>
           </a:p>
@@ -6360,7 +7074,7 @@
           <a:p>
             <a:fld id="{AA641DB4-C951-4763-94FC-F650C3AA7E65}" type="datetimeFigureOut">
               <a:rPr kumimoji="1" lang="ja-JP" altLang="en-US" smtClean="0"/>
-              <a:t>2016/6/10</a:t>
+              <a:t>2016/10/30</a:t>
             </a:fld>
             <a:endParaRPr kumimoji="1" lang="ja-JP" altLang="en-US"/>
           </a:p>
@@ -6613,7 +7327,7 @@
           <a:p>
             <a:fld id="{AA641DB4-C951-4763-94FC-F650C3AA7E65}" type="datetimeFigureOut">
               <a:rPr kumimoji="1" lang="ja-JP" altLang="en-US" smtClean="0"/>
-              <a:t>2016/6/10</a:t>
+              <a:t>2016/10/30</a:t>
             </a:fld>
             <a:endParaRPr kumimoji="1" lang="ja-JP" altLang="en-US"/>
           </a:p>
@@ -6858,7 +7572,7 @@
           <a:p>
             <a:fld id="{AA641DB4-C951-4763-94FC-F650C3AA7E65}" type="datetimeFigureOut">
               <a:rPr kumimoji="1" lang="ja-JP" altLang="en-US" smtClean="0"/>
-              <a:t>2016/6/10</a:t>
+              <a:t>2016/10/30</a:t>
             </a:fld>
             <a:endParaRPr kumimoji="1" lang="ja-JP" altLang="en-US"/>
           </a:p>
@@ -19917,6 +20631,60 @@
           <p:nvPr>
             <p:extLst>
               <p:ext uri="{D42A27DB-BD31-4B8C-83A1-F6EECF244321}">
+                <p14:modId xmlns:p14="http://schemas.microsoft.com/office/powerpoint/2010/main" val="2951554875"/>
+              </p:ext>
+            </p:extLst>
+          </p:nvPr>
+        </p:nvGraphicFramePr>
+        <p:xfrm>
+          <a:off x="0" y="0"/>
+          <a:ext cx="12191999" cy="6858000"/>
+        </p:xfrm>
+        <a:graphic>
+          <a:graphicData uri="http://schemas.openxmlformats.org/drawingml/2006/chart">
+            <c:chart xmlns:c="http://schemas.openxmlformats.org/drawingml/2006/chart" xmlns:r="http://schemas.openxmlformats.org/officeDocument/2006/relationships" r:id="rId2"/>
+          </a:graphicData>
+        </a:graphic>
+      </p:graphicFrame>
+    </p:spTree>
+    <p:extLst>
+      <p:ext uri="{BB962C8B-B14F-4D97-AF65-F5344CB8AC3E}">
+        <p14:creationId xmlns:p14="http://schemas.microsoft.com/office/powerpoint/2010/main" val="1749552724"/>
+      </p:ext>
+    </p:extLst>
+  </p:cSld>
+  <p:clrMapOvr>
+    <a:masterClrMapping/>
+  </p:clrMapOvr>
+</p:sld>
+</file>
+
+<file path=ppt/slides/slide23.xml><?xml version="1.0" encoding="utf-8"?>
+<p:sld xmlns:a="http://schemas.openxmlformats.org/drawingml/2006/main" xmlns:r="http://schemas.openxmlformats.org/officeDocument/2006/relationships" xmlns:p="http://schemas.openxmlformats.org/presentationml/2006/main">
+  <p:cSld>
+    <p:spTree>
+      <p:nvGrpSpPr>
+        <p:cNvPr id="1" name=""/>
+        <p:cNvGrpSpPr/>
+        <p:nvPr/>
+      </p:nvGrpSpPr>
+      <p:grpSpPr>
+        <a:xfrm>
+          <a:off x="0" y="0"/>
+          <a:ext cx="0" cy="0"/>
+          <a:chOff x="0" y="0"/>
+          <a:chExt cx="0" cy="0"/>
+        </a:xfrm>
+      </p:grpSpPr>
+      <p:graphicFrame>
+        <p:nvGraphicFramePr>
+          <p:cNvPr id="2" name="グラフ 1"/>
+          <p:cNvGraphicFramePr>
+            <a:graphicFrameLocks/>
+          </p:cNvGraphicFramePr>
+          <p:nvPr>
+            <p:extLst>
+              <p:ext uri="{D42A27DB-BD31-4B8C-83A1-F6EECF244321}">
                 <p14:modId xmlns:p14="http://schemas.microsoft.com/office/powerpoint/2010/main" val="2040512119"/>
               </p:ext>
             </p:extLst>
@@ -19945,7 +20713,7 @@
 </p:sld>
 </file>
 
-<file path=ppt/slides/slide23.xml><?xml version="1.0" encoding="utf-8"?>
+<file path=ppt/slides/slide24.xml><?xml version="1.0" encoding="utf-8"?>
 <p:sld xmlns:a="http://schemas.openxmlformats.org/drawingml/2006/main" xmlns:r="http://schemas.openxmlformats.org/officeDocument/2006/relationships" xmlns:p="http://schemas.openxmlformats.org/presentationml/2006/main">
   <p:cSld>
     <p:spTree>
@@ -21175,7 +21943,7 @@
 </p:sld>
 </file>
 
-<file path=ppt/slides/slide24.xml><?xml version="1.0" encoding="utf-8"?>
+<file path=ppt/slides/slide25.xml><?xml version="1.0" encoding="utf-8"?>
 <p:sld xmlns:a="http://schemas.openxmlformats.org/drawingml/2006/main" xmlns:r="http://schemas.openxmlformats.org/officeDocument/2006/relationships" xmlns:p="http://schemas.openxmlformats.org/presentationml/2006/main">
   <p:cSld>
     <p:spTree>
@@ -22042,7 +22810,7 @@
 </p:sld>
 </file>
 
-<file path=ppt/slides/slide25.xml><?xml version="1.0" encoding="utf-8"?>
+<file path=ppt/slides/slide26.xml><?xml version="1.0" encoding="utf-8"?>
 <p:sld xmlns:a="http://schemas.openxmlformats.org/drawingml/2006/main" xmlns:r="http://schemas.openxmlformats.org/officeDocument/2006/relationships" xmlns:p="http://schemas.openxmlformats.org/presentationml/2006/main">
   <p:cSld>
     <p:spTree>
